--- a/Lessions/Bai-10-MicroPhone/Bai-10-MicroPhone.pptx
+++ b/Lessions/Bai-10-MicroPhone/Bai-10-MicroPhone.pptx
@@ -5,7 +5,7 @@
     <p:sldMasterId id="2147483660" r:id="rId1"/>
   </p:sldMasterIdLst>
   <p:notesMasterIdLst>
-    <p:notesMasterId r:id="rId11"/>
+    <p:notesMasterId r:id="rId9"/>
   </p:notesMasterIdLst>
   <p:sldIdLst>
     <p:sldId id="256" r:id="rId2"/>
@@ -14,9 +14,7 @@
     <p:sldId id="279" r:id="rId5"/>
     <p:sldId id="281" r:id="rId6"/>
     <p:sldId id="280" r:id="rId7"/>
-    <p:sldId id="266" r:id="rId8"/>
-    <p:sldId id="268" r:id="rId9"/>
-    <p:sldId id="277" r:id="rId10"/>
+    <p:sldId id="277" r:id="rId8"/>
   </p:sldIdLst>
   <p:sldSz cx="9144000" cy="6858000" type="screen4x3"/>
   <p:notesSz cx="6858000" cy="9144000"/>
@@ -205,7 +203,7 @@
           <a:p>
             <a:fld id="{E1BDF935-9821-4834-9D99-7DEFA719F44D}" type="datetimeFigureOut">
               <a:rPr lang="en-US" smtClean="0"/>
-              <a:t>5/9/2023</a:t>
+              <a:t>6/13/2024</a:t>
             </a:fld>
             <a:endParaRPr lang="en-US"/>
           </a:p>
@@ -2514,16 +2512,7 @@
                 </a:solidFill>
                 <a:latin typeface="GT Walsheim Bold" panose="00000800000000000000" pitchFamily="2" charset="0"/>
               </a:rPr>
-              <a:t>BÀI </a:t>
-            </a:r>
-            <a:r>
-              <a:rPr lang="en-US" sz="3600" b="1" dirty="0" smtClean="0">
-                <a:solidFill>
-                  <a:schemeClr val="bg1"/>
-                </a:solidFill>
-                <a:latin typeface="GT Walsheim Bold" panose="00000800000000000000" pitchFamily="2" charset="0"/>
-              </a:rPr>
-              <a:t>10</a:t>
+              <a:t>BÀI 10</a:t>
             </a:r>
             <a:endParaRPr lang="en-US" sz="3600" b="1" dirty="0">
               <a:solidFill>
@@ -2587,6 +2576,13 @@
   <p:clrMapOvr>
     <a:masterClrMapping/>
   </p:clrMapOvr>
+  <p:timing>
+    <p:tnLst>
+      <p:par>
+        <p:cTn id="1" dur="indefinite" restart="never" nodeType="tmRoot"/>
+      </p:par>
+    </p:tnLst>
+  </p:timing>
 </p:sld>
 </file>
 
@@ -3427,16 +3423,6 @@
               </a:rPr>
               <a:t>Lập trình với Makecode</a:t>
             </a:r>
-            <a:endParaRPr lang="en-US" sz="2400" b="1" dirty="0">
-              <a:solidFill>
-                <a:schemeClr val="tx1">
-                  <a:lumMod val="85000"/>
-                  <a:lumOff val="15000"/>
-                </a:schemeClr>
-              </a:solidFill>
-              <a:latin typeface="UTM Helve" panose="02040603050506020204" pitchFamily="18" charset="0"/>
-              <a:ea typeface="Roboto" pitchFamily="2" charset="0"/>
-            </a:endParaRPr>
           </a:p>
         </p:txBody>
       </p:sp>
@@ -4398,16 +4384,6 @@
               </a:rPr>
               <a:t>Lập trình với Makecode</a:t>
             </a:r>
-            <a:endParaRPr lang="en-US" sz="2400" b="1" dirty="0">
-              <a:solidFill>
-                <a:schemeClr val="tx1">
-                  <a:lumMod val="85000"/>
-                  <a:lumOff val="15000"/>
-                </a:schemeClr>
-              </a:solidFill>
-              <a:latin typeface="UTM Helve" panose="02040603050506020204" pitchFamily="18" charset="0"/>
-              <a:ea typeface="Roboto" pitchFamily="2" charset="0"/>
-            </a:endParaRPr>
           </a:p>
         </p:txBody>
       </p:sp>
@@ -4490,10 +4466,6 @@
               </a:rPr>
               <a:t>2</a:t>
             </a:r>
-            <a:endParaRPr lang="en-US" b="1" dirty="0">
-              <a:latin typeface="Arial" panose="020B0604020202020204" pitchFamily="34" charset="0"/>
-              <a:cs typeface="Arial" panose="020B0604020202020204" pitchFamily="34" charset="0"/>
-            </a:endParaRPr>
           </a:p>
         </p:txBody>
       </p:sp>
@@ -4577,15 +4549,6 @@
               </a:rPr>
               <a:t>từ khối Led sau đó thả vào on forever</a:t>
             </a:r>
-            <a:endParaRPr lang="en-US" sz="2000" b="0" dirty="0" smtClean="0">
-              <a:solidFill>
-                <a:schemeClr val="tx1">
-                  <a:lumMod val="95000"/>
-                  <a:lumOff val="5000"/>
-                </a:schemeClr>
-              </a:solidFill>
-              <a:ea typeface="Roboto Condensed" pitchFamily="2" charset="0"/>
-            </a:endParaRPr>
           </a:p>
         </p:txBody>
       </p:sp>
@@ -5126,16 +5089,6 @@
               </a:rPr>
               <a:t>Lập trình với Makecode</a:t>
             </a:r>
-            <a:endParaRPr lang="en-US" sz="2400" b="1" dirty="0">
-              <a:solidFill>
-                <a:schemeClr val="tx1">
-                  <a:lumMod val="85000"/>
-                  <a:lumOff val="15000"/>
-                </a:schemeClr>
-              </a:solidFill>
-              <a:latin typeface="UTM Helve" panose="02040603050506020204" pitchFamily="18" charset="0"/>
-              <a:ea typeface="Roboto" pitchFamily="2" charset="0"/>
-            </a:endParaRPr>
           </a:p>
         </p:txBody>
       </p:sp>
@@ -6038,16 +5991,6 @@
               </a:rPr>
               <a:t>Lập trình với Makecode</a:t>
             </a:r>
-            <a:endParaRPr lang="en-US" sz="2400" b="1" dirty="0">
-              <a:solidFill>
-                <a:schemeClr val="tx1">
-                  <a:lumMod val="85000"/>
-                  <a:lumOff val="15000"/>
-                </a:schemeClr>
-              </a:solidFill>
-              <a:latin typeface="UTM Helve" panose="02040603050506020204" pitchFamily="18" charset="0"/>
-              <a:ea typeface="Roboto" pitchFamily="2" charset="0"/>
-            </a:endParaRPr>
           </a:p>
         </p:txBody>
       </p:sp>
@@ -6723,309 +6666,7 @@
       </p:sp>
       <p:sp>
         <p:nvSpPr>
-          <p:cNvPr id="3" name="Title 1"/>
-          <p:cNvSpPr txBox="1">
-            <a:spLocks/>
-          </p:cNvSpPr>
-          <p:nvPr/>
-        </p:nvSpPr>
-        <p:spPr>
-          <a:xfrm>
-            <a:off x="709053" y="4862785"/>
-            <a:ext cx="5644503" cy="508846"/>
-          </a:xfrm>
-          <a:prstGeom prst="rect">
-            <a:avLst/>
-          </a:prstGeom>
-        </p:spPr>
-        <p:txBody>
-          <a:bodyPr/>
-          <a:lstStyle>
-            <a:lvl1pPr algn="l" defTabSz="914400" rtl="0" eaLnBrk="1" latinLnBrk="0" hangingPunct="1">
-              <a:lnSpc>
-                <a:spcPct val="90000"/>
-              </a:lnSpc>
-              <a:spcBef>
-                <a:spcPct val="0"/>
-              </a:spcBef>
-              <a:buNone/>
-              <a:defRPr sz="3200" b="1" kern="1200">
-                <a:solidFill>
-                  <a:srgbClr val="019DD0"/>
-                </a:solidFill>
-                <a:latin typeface="Arial" panose="020B0604020202020204" pitchFamily="34" charset="0"/>
-                <a:ea typeface="+mj-ea"/>
-                <a:cs typeface="Arial" panose="020B0604020202020204" pitchFamily="34" charset="0"/>
-              </a:defRPr>
-            </a:lvl1pPr>
-          </a:lstStyle>
-          <a:p>
-            <a:pPr>
-              <a:lnSpc>
-                <a:spcPct val="100000"/>
-              </a:lnSpc>
-            </a:pPr>
-            <a:r>
-              <a:rPr lang="en-US" sz="2000" b="0" dirty="0" smtClean="0">
-                <a:solidFill>
-                  <a:schemeClr val="tx1">
-                    <a:lumMod val="95000"/>
-                    <a:lumOff val="5000"/>
-                  </a:schemeClr>
-                </a:solidFill>
-                <a:ea typeface="Roboto Condensed" pitchFamily="2" charset="0"/>
-              </a:rPr>
-              <a:t>Bước 1: Click Download tải file về máy tính</a:t>
-            </a:r>
-          </a:p>
-        </p:txBody>
-      </p:sp>
-      <p:pic>
-        <p:nvPicPr>
-          <p:cNvPr id="4" name="Picture 3"/>
-          <p:cNvPicPr>
-            <a:picLocks noChangeAspect="1"/>
-          </p:cNvPicPr>
-          <p:nvPr/>
-        </p:nvPicPr>
-        <p:blipFill>
-          <a:blip r:embed="rId2"/>
-          <a:stretch>
-            <a:fillRect/>
-          </a:stretch>
-        </p:blipFill>
-        <p:spPr>
-          <a:xfrm>
-            <a:off x="5743928" y="4822111"/>
-            <a:ext cx="2909512" cy="456394"/>
-          </a:xfrm>
-          <a:prstGeom prst="rect">
-            <a:avLst/>
-          </a:prstGeom>
-        </p:spPr>
-      </p:pic>
-      <p:sp>
-        <p:nvSpPr>
-          <p:cNvPr id="5" name="Title 1"/>
-          <p:cNvSpPr txBox="1">
-            <a:spLocks/>
-          </p:cNvSpPr>
-          <p:nvPr/>
-        </p:nvSpPr>
-        <p:spPr>
-          <a:xfrm>
-            <a:off x="709053" y="5412305"/>
-            <a:ext cx="8047836" cy="496573"/>
-          </a:xfrm>
-          <a:prstGeom prst="rect">
-            <a:avLst/>
-          </a:prstGeom>
-        </p:spPr>
-        <p:txBody>
-          <a:bodyPr/>
-          <a:lstStyle>
-            <a:lvl1pPr algn="l" defTabSz="914400" rtl="0" eaLnBrk="1" latinLnBrk="0" hangingPunct="1">
-              <a:lnSpc>
-                <a:spcPct val="90000"/>
-              </a:lnSpc>
-              <a:spcBef>
-                <a:spcPct val="0"/>
-              </a:spcBef>
-              <a:buNone/>
-              <a:defRPr sz="3200" b="1" kern="1200">
-                <a:solidFill>
-                  <a:srgbClr val="019DD0"/>
-                </a:solidFill>
-                <a:latin typeface="Arial" panose="020B0604020202020204" pitchFamily="34" charset="0"/>
-                <a:ea typeface="+mj-ea"/>
-                <a:cs typeface="Arial" panose="020B0604020202020204" pitchFamily="34" charset="0"/>
-              </a:defRPr>
-            </a:lvl1pPr>
-          </a:lstStyle>
-          <a:p>
-            <a:pPr>
-              <a:lnSpc>
-                <a:spcPct val="100000"/>
-              </a:lnSpc>
-            </a:pPr>
-            <a:r>
-              <a:rPr lang="en-US" sz="2000" b="0" dirty="0" smtClean="0">
-                <a:solidFill>
-                  <a:schemeClr val="tx1">
-                    <a:lumMod val="95000"/>
-                    <a:lumOff val="5000"/>
-                  </a:schemeClr>
-                </a:solidFill>
-                <a:ea typeface="Roboto Condensed" pitchFamily="2" charset="0"/>
-              </a:rPr>
-              <a:t>Bước 2: Gắn đầu USB vào máy tính, đầu micro USB vào micro:bit </a:t>
-            </a:r>
-          </a:p>
-        </p:txBody>
-      </p:sp>
-      <p:sp>
-        <p:nvSpPr>
-          <p:cNvPr id="8" name="TextBox 7"/>
-          <p:cNvSpPr txBox="1"/>
-          <p:nvPr/>
-        </p:nvSpPr>
-        <p:spPr>
-          <a:xfrm>
-            <a:off x="1265305" y="1364739"/>
-            <a:ext cx="5649845" cy="461665"/>
-          </a:xfrm>
-          <a:prstGeom prst="rect">
-            <a:avLst/>
-          </a:prstGeom>
-          <a:noFill/>
-        </p:spPr>
-        <p:txBody>
-          <a:bodyPr wrap="square" rtlCol="0">
-            <a:spAutoFit/>
-          </a:bodyPr>
-          <a:lstStyle/>
-          <a:p>
-            <a:r>
-              <a:rPr lang="en-US" sz="2400" b="1" dirty="0" smtClean="0">
-                <a:solidFill>
-                  <a:schemeClr val="tx1">
-                    <a:lumMod val="85000"/>
-                    <a:lumOff val="15000"/>
-                  </a:schemeClr>
-                </a:solidFill>
-                <a:latin typeface="UTM Helve" panose="02040603050506020204" pitchFamily="18" charset="0"/>
-                <a:ea typeface="Roboto" pitchFamily="2" charset="0"/>
-              </a:rPr>
-              <a:t>Đưa chương trình vào micro:bit</a:t>
-            </a:r>
-            <a:endParaRPr lang="en-US" sz="2400" b="1" dirty="0">
-              <a:solidFill>
-                <a:schemeClr val="tx1">
-                  <a:lumMod val="85000"/>
-                  <a:lumOff val="15000"/>
-                </a:schemeClr>
-              </a:solidFill>
-              <a:latin typeface="UTM Helve" panose="02040603050506020204" pitchFamily="18" charset="0"/>
-              <a:ea typeface="Roboto" pitchFamily="2" charset="0"/>
-            </a:endParaRPr>
-          </a:p>
-        </p:txBody>
-      </p:sp>
-      <p:pic>
-        <p:nvPicPr>
-          <p:cNvPr id="9" name="Picture 8"/>
-          <p:cNvPicPr>
-            <a:picLocks noChangeAspect="1"/>
-          </p:cNvPicPr>
-          <p:nvPr/>
-        </p:nvPicPr>
-        <p:blipFill>
-          <a:blip r:embed="rId3">
-            <a:extLst>
-              <a:ext uri="{28A0092B-C50C-407E-A947-70E740481C1C}">
-                <a14:useLocalDpi xmlns:a14="http://schemas.microsoft.com/office/drawing/2010/main" val="0"/>
-              </a:ext>
-            </a:extLst>
-          </a:blip>
-          <a:stretch>
-            <a:fillRect/>
-          </a:stretch>
-        </p:blipFill>
-        <p:spPr>
-          <a:xfrm>
-            <a:off x="709053" y="1437696"/>
-            <a:ext cx="466725" cy="409575"/>
-          </a:xfrm>
-          <a:prstGeom prst="rect">
-            <a:avLst/>
-          </a:prstGeom>
-        </p:spPr>
-      </p:pic>
-      <p:pic>
-        <p:nvPicPr>
-          <p:cNvPr id="11" name="Picture 10"/>
-          <p:cNvPicPr>
-            <a:picLocks noChangeAspect="1"/>
-          </p:cNvPicPr>
-          <p:nvPr/>
-        </p:nvPicPr>
-        <p:blipFill rotWithShape="1">
-          <a:blip r:embed="rId4"/>
-          <a:srcRect t="9567"/>
-          <a:stretch/>
-        </p:blipFill>
-        <p:spPr>
-          <a:xfrm>
-            <a:off x="1477989" y="1992477"/>
-            <a:ext cx="6441059" cy="2452204"/>
-          </a:xfrm>
-          <a:prstGeom prst="rect">
-            <a:avLst/>
-          </a:prstGeom>
-        </p:spPr>
-      </p:pic>
-      <p:sp>
-        <p:nvSpPr>
-          <p:cNvPr id="12" name="Title 1"/>
-          <p:cNvSpPr txBox="1">
-            <a:spLocks/>
-          </p:cNvSpPr>
-          <p:nvPr/>
-        </p:nvSpPr>
-        <p:spPr>
-          <a:xfrm>
-            <a:off x="709053" y="5983805"/>
-            <a:ext cx="8047836" cy="496573"/>
-          </a:xfrm>
-          <a:prstGeom prst="rect">
-            <a:avLst/>
-          </a:prstGeom>
-        </p:spPr>
-        <p:txBody>
-          <a:bodyPr/>
-          <a:lstStyle>
-            <a:lvl1pPr algn="l" defTabSz="914400" rtl="0" eaLnBrk="1" latinLnBrk="0" hangingPunct="1">
-              <a:lnSpc>
-                <a:spcPct val="90000"/>
-              </a:lnSpc>
-              <a:spcBef>
-                <a:spcPct val="0"/>
-              </a:spcBef>
-              <a:buNone/>
-              <a:defRPr sz="3200" b="1" kern="1200">
-                <a:solidFill>
-                  <a:srgbClr val="019DD0"/>
-                </a:solidFill>
-                <a:latin typeface="Arial" panose="020B0604020202020204" pitchFamily="34" charset="0"/>
-                <a:ea typeface="+mj-ea"/>
-                <a:cs typeface="Arial" panose="020B0604020202020204" pitchFamily="34" charset="0"/>
-              </a:defRPr>
-            </a:lvl1pPr>
-          </a:lstStyle>
-          <a:p>
-            <a:pPr>
-              <a:lnSpc>
-                <a:spcPct val="100000"/>
-              </a:lnSpc>
-            </a:pPr>
-            <a:r>
-              <a:rPr lang="en-US" sz="2000" b="0" dirty="0" smtClean="0">
-                <a:solidFill>
-                  <a:schemeClr val="tx1">
-                    <a:lumMod val="95000"/>
-                    <a:lumOff val="5000"/>
-                  </a:schemeClr>
-                </a:solidFill>
-                <a:ea typeface="Roboto Condensed" pitchFamily="2" charset="0"/>
-              </a:rPr>
-              <a:t>Bước 3: Copy file .hex vào micro:bit </a:t>
-            </a:r>
-          </a:p>
-        </p:txBody>
-      </p:sp>
-      <p:sp>
-        <p:nvSpPr>
-          <p:cNvPr id="13" name="Rectangle 12"/>
+          <p:cNvPr id="3" name="Rectangle 2"/>
           <p:cNvSpPr/>
           <p:nvPr/>
         </p:nvSpPr>
@@ -7080,7 +6721,7 @@
       </p:sp>
       <p:sp>
         <p:nvSpPr>
-          <p:cNvPr id="14" name="TextBox 13"/>
+          <p:cNvPr id="4" name="TextBox 3"/>
           <p:cNvSpPr txBox="1"/>
           <p:nvPr/>
         </p:nvSpPr>
@@ -7108,7 +6749,7 @@
                 <a:latin typeface="UTM Helve" panose="02040603050506020204" pitchFamily="18" charset="0"/>
                 <a:ea typeface="Roboto" pitchFamily="2" charset="0"/>
               </a:rPr>
-              <a:t>10.2 Cách sử dụng microphone trên micro:bit</a:t>
+              <a:t>10.3 Hoạt động học viên</a:t>
             </a:r>
             <a:endParaRPr lang="en-US" sz="2400" b="1" dirty="0">
               <a:solidFill>
@@ -7120,60 +6761,6 @@
           </a:p>
         </p:txBody>
       </p:sp>
-    </p:spTree>
-    <p:extLst>
-      <p:ext uri="{BB962C8B-B14F-4D97-AF65-F5344CB8AC3E}">
-        <p14:creationId xmlns:p14="http://schemas.microsoft.com/office/powerpoint/2010/main" val="3773185111"/>
-      </p:ext>
-    </p:extLst>
-  </p:cSld>
-  <p:clrMapOvr>
-    <a:masterClrMapping/>
-  </p:clrMapOvr>
-</p:sld>
-</file>
-
-<file path=ppt/slides/slide8.xml><?xml version="1.0" encoding="utf-8"?>
-<p:sld xmlns:a="http://schemas.openxmlformats.org/drawingml/2006/main" xmlns:r="http://schemas.openxmlformats.org/officeDocument/2006/relationships" xmlns:p="http://schemas.openxmlformats.org/presentationml/2006/main">
-  <p:cSld>
-    <p:spTree>
-      <p:nvGrpSpPr>
-        <p:cNvPr id="1" name=""/>
-        <p:cNvGrpSpPr/>
-        <p:nvPr/>
-      </p:nvGrpSpPr>
-      <p:grpSpPr>
-        <a:xfrm>
-          <a:off x="0" y="0"/>
-          <a:ext cx="0" cy="0"/>
-          <a:chOff x="0" y="0"/>
-          <a:chExt cx="0" cy="0"/>
-        </a:xfrm>
-      </p:grpSpPr>
-      <p:sp>
-        <p:nvSpPr>
-          <p:cNvPr id="2" name="Slide Number Placeholder 1"/>
-          <p:cNvSpPr>
-            <a:spLocks noGrp="1"/>
-          </p:cNvSpPr>
-          <p:nvPr>
-            <p:ph type="sldNum" sz="quarter" idx="12"/>
-          </p:nvPr>
-        </p:nvSpPr>
-        <p:spPr/>
-        <p:txBody>
-          <a:bodyPr/>
-          <a:lstStyle/>
-          <a:p>
-            <a:fld id="{7D9EC917-02A2-4152-9EE3-DFE2775A77C7}" type="slidenum">
-              <a:rPr lang="en-US" smtClean="0"/>
-              <a:pPr/>
-              <a:t>8</a:t>
-            </a:fld>
-            <a:endParaRPr lang="en-US"/>
-          </a:p>
-        </p:txBody>
-      </p:sp>
       <p:sp>
         <p:nvSpPr>
           <p:cNvPr id="5" name="TextBox 4"/>
@@ -7182,8 +6769,8 @@
         </p:nvSpPr>
         <p:spPr>
           <a:xfrm>
-            <a:off x="1265305" y="1364739"/>
-            <a:ext cx="5649845" cy="461665"/>
+            <a:off x="1265306" y="1364739"/>
+            <a:ext cx="4057076" cy="461665"/>
           </a:xfrm>
           <a:prstGeom prst="rect">
             <a:avLst/>
@@ -7207,7 +6794,7 @@
                 <a:latin typeface="UTM Helve" panose="02040603050506020204" pitchFamily="18" charset="0"/>
                 <a:ea typeface="Roboto" pitchFamily="2" charset="0"/>
               </a:rPr>
-              <a:t>Giữ an toàn cho micro:bit</a:t>
+              <a:t>Ô nhiễm tiếng ồn đô thị</a:t>
             </a:r>
             <a:endParaRPr lang="en-US" sz="2400" b="1" dirty="0">
               <a:solidFill>
@@ -7252,36 +6839,9 @@
           </a:prstGeom>
         </p:spPr>
       </p:pic>
-      <p:pic>
-        <p:nvPicPr>
-          <p:cNvPr id="7" name="Google Shape;149;p5"/>
-          <p:cNvPicPr preferRelativeResize="0"/>
-          <p:nvPr/>
-        </p:nvPicPr>
-        <p:blipFill rotWithShape="1">
-          <a:blip r:embed="rId3">
-            <a:alphaModFix/>
-          </a:blip>
-          <a:srcRect/>
-          <a:stretch/>
-        </p:blipFill>
-        <p:spPr>
-          <a:xfrm>
-            <a:off x="804690" y="2535250"/>
-            <a:ext cx="3206517" cy="3182856"/>
-          </a:xfrm>
-          <a:prstGeom prst="rect">
-            <a:avLst/>
-          </a:prstGeom>
-          <a:noFill/>
-          <a:ln>
-            <a:noFill/>
-          </a:ln>
-        </p:spPr>
-      </p:pic>
-      <p:sp>
-        <p:nvSpPr>
-          <p:cNvPr id="8" name="Title 1"/>
+      <p:sp>
+        <p:nvSpPr>
+          <p:cNvPr id="21" name="Title 1"/>
           <p:cNvSpPr txBox="1">
             <a:spLocks/>
           </p:cNvSpPr>
@@ -7289,8 +6849,8 @@
         </p:nvSpPr>
         <p:spPr>
           <a:xfrm>
-            <a:off x="4261791" y="2490360"/>
-            <a:ext cx="4253559" cy="3227746"/>
+            <a:off x="766190" y="2057828"/>
+            <a:ext cx="4879235" cy="1997337"/>
           </a:xfrm>
           <a:prstGeom prst="rect">
             <a:avLst/>
@@ -7318,15 +6878,13 @@
             </a:lvl1pPr>
           </a:lstStyle>
           <a:p>
-            <a:pPr marL="342900" indent="-342900">
+            <a:pPr>
               <a:lnSpc>
                 <a:spcPct val="100000"/>
               </a:lnSpc>
-              <a:buFont typeface="Arial" panose="020B0604020202020204" pitchFamily="34" charset="0"/>
-              <a:buChar char="•"/>
             </a:pPr>
             <a:r>
-              <a:rPr lang="en-US" sz="2400" b="0" dirty="0">
+              <a:rPr lang="en-US" sz="2000" b="0" dirty="0" smtClean="0">
                 <a:solidFill>
                   <a:schemeClr val="tx1">
                     <a:lumMod val="95000"/>
@@ -7335,10 +6893,17 @@
                 </a:solidFill>
                 <a:ea typeface="Roboto Condensed" pitchFamily="2" charset="0"/>
               </a:rPr>
-              <a:t>Cầm micro:bit cẩn thận ở các </a:t>
-            </a:r>
-            <a:r>
-              <a:rPr lang="en-US" sz="2400" b="0" dirty="0" smtClean="0">
+              <a:t>Môi trường đô thị rất sôi động và ồn ào, náo nhiệt.</a:t>
+            </a:r>
+          </a:p>
+          <a:p>
+            <a:pPr>
+              <a:lnSpc>
+                <a:spcPct val="100000"/>
+              </a:lnSpc>
+            </a:pPr>
+            <a:r>
+              <a:rPr lang="en-US" sz="2000" b="0" dirty="0" smtClean="0">
                 <a:solidFill>
                   <a:schemeClr val="tx1">
                     <a:lumMod val="95000"/>
@@ -7347,20 +6912,9 @@
                 </a:solidFill>
                 <a:ea typeface="Roboto Condensed" pitchFamily="2" charset="0"/>
               </a:rPr>
-              <a:t>cạnh</a:t>
-            </a:r>
-            <a:br>
-              <a:rPr lang="en-US" sz="2400" b="0" dirty="0" smtClean="0">
-                <a:solidFill>
-                  <a:schemeClr val="tx1">
-                    <a:lumMod val="95000"/>
-                    <a:lumOff val="5000"/>
-                  </a:schemeClr>
-                </a:solidFill>
-                <a:ea typeface="Roboto Condensed" pitchFamily="2" charset="0"/>
-              </a:rPr>
-            </a:br>
-            <a:endParaRPr lang="en-US" sz="2400" b="0" dirty="0" smtClean="0">
+              <a:t>Bạn có thể dùng micro:bit để đo mức độ ồn để giúp cơ quan chức năng có biện pháp ngiên cứu giảm thiểu tiếng ồn.</a:t>
+            </a:r>
+            <a:endParaRPr lang="en-US" sz="2000" dirty="0" smtClean="0">
               <a:solidFill>
                 <a:schemeClr val="tx1">
                   <a:lumMod val="95000"/>
@@ -7370,135 +6924,18 @@
               <a:ea typeface="Roboto Condensed" pitchFamily="2" charset="0"/>
             </a:endParaRPr>
           </a:p>
-          <a:p>
-            <a:pPr marL="342900" indent="-342900">
-              <a:lnSpc>
-                <a:spcPct val="100000"/>
-              </a:lnSpc>
-              <a:buFont typeface="Arial" panose="020B0604020202020204" pitchFamily="34" charset="0"/>
-              <a:buChar char="•"/>
-            </a:pPr>
-            <a:r>
-              <a:rPr lang="en-US" sz="2400" b="0" dirty="0" smtClean="0">
-                <a:solidFill>
-                  <a:schemeClr val="tx1">
-                    <a:lumMod val="95000"/>
-                    <a:lumOff val="5000"/>
-                  </a:schemeClr>
-                </a:solidFill>
-                <a:ea typeface="Roboto Condensed" pitchFamily="2" charset="0"/>
-              </a:rPr>
-              <a:t>Tránh chạm vào các bộ phận</a:t>
-            </a:r>
-            <a:br>
-              <a:rPr lang="en-US" sz="2400" b="0" dirty="0" smtClean="0">
-                <a:solidFill>
-                  <a:schemeClr val="tx1">
-                    <a:lumMod val="95000"/>
-                    <a:lumOff val="5000"/>
-                  </a:schemeClr>
-                </a:solidFill>
-                <a:ea typeface="Roboto Condensed" pitchFamily="2" charset="0"/>
-              </a:rPr>
-            </a:br>
-            <a:endParaRPr lang="en-US" sz="2400" b="0" dirty="0" smtClean="0">
-              <a:solidFill>
-                <a:schemeClr val="tx1">
-                  <a:lumMod val="95000"/>
-                  <a:lumOff val="5000"/>
-                </a:schemeClr>
-              </a:solidFill>
-              <a:ea typeface="Roboto Condensed" pitchFamily="2" charset="0"/>
-            </a:endParaRPr>
-          </a:p>
-          <a:p>
-            <a:pPr marL="342900" indent="-342900">
-              <a:lnSpc>
-                <a:spcPct val="100000"/>
-              </a:lnSpc>
-              <a:buFont typeface="Arial" panose="020B0604020202020204" pitchFamily="34" charset="0"/>
-              <a:buChar char="•"/>
-            </a:pPr>
-            <a:r>
-              <a:rPr lang="en-US" sz="2400" b="0" dirty="0" smtClean="0">
-                <a:solidFill>
-                  <a:schemeClr val="tx1">
-                    <a:lumMod val="95000"/>
-                    <a:lumOff val="5000"/>
-                  </a:schemeClr>
-                </a:solidFill>
-                <a:ea typeface="Roboto Condensed" pitchFamily="2" charset="0"/>
-              </a:rPr>
-              <a:t>Tránh xa micro:bit khỏi nước</a:t>
-            </a:r>
-          </a:p>
-        </p:txBody>
-      </p:sp>
-      <p:sp>
-        <p:nvSpPr>
-          <p:cNvPr id="9" name="Rectangle 8"/>
-          <p:cNvSpPr/>
-          <p:nvPr/>
-        </p:nvSpPr>
-        <p:spPr>
-          <a:xfrm>
-            <a:off x="301925" y="1051379"/>
-            <a:ext cx="8454964" cy="27432"/>
-          </a:xfrm>
-          <a:prstGeom prst="rect">
-            <a:avLst/>
-          </a:prstGeom>
-          <a:gradFill flip="none" rotWithShape="1">
-            <a:gsLst>
-              <a:gs pos="15000">
-                <a:srgbClr val="67C7DF"/>
-              </a:gs>
-              <a:gs pos="100000">
-                <a:srgbClr val="5EB130"/>
-              </a:gs>
-            </a:gsLst>
-            <a:lin ang="0" scaled="1"/>
-            <a:tileRect/>
-          </a:gradFill>
-          <a:ln>
-            <a:noFill/>
-          </a:ln>
-        </p:spPr>
-        <p:style>
-          <a:lnRef idx="2">
-            <a:schemeClr val="accent1">
-              <a:shade val="50000"/>
-            </a:schemeClr>
-          </a:lnRef>
-          <a:fillRef idx="1">
-            <a:schemeClr val="accent1"/>
-          </a:fillRef>
-          <a:effectRef idx="0">
-            <a:schemeClr val="accent1"/>
-          </a:effectRef>
-          <a:fontRef idx="minor">
-            <a:schemeClr val="lt1"/>
-          </a:fontRef>
-        </p:style>
-        <p:txBody>
-          <a:bodyPr rtlCol="0" anchor="ctr"/>
-          <a:lstStyle/>
-          <a:p>
-            <a:pPr algn="ctr"/>
-            <a:endParaRPr lang="en-US"/>
-          </a:p>
-        </p:txBody>
-      </p:sp>
-      <p:sp>
-        <p:nvSpPr>
-          <p:cNvPr id="10" name="TextBox 9"/>
+        </p:txBody>
+      </p:sp>
+      <p:sp>
+        <p:nvSpPr>
+          <p:cNvPr id="22" name="TextBox 21"/>
           <p:cNvSpPr txBox="1"/>
           <p:nvPr/>
         </p:nvSpPr>
         <p:spPr>
           <a:xfrm>
-            <a:off x="248815" y="546584"/>
-            <a:ext cx="7374995" cy="461665"/>
+            <a:off x="1265305" y="4001922"/>
+            <a:ext cx="4949965" cy="461665"/>
           </a:xfrm>
           <a:prstGeom prst="rect">
             <a:avLst/>
@@ -7514,209 +6951,6 @@
             <a:r>
               <a:rPr lang="en-US" sz="2400" b="1" dirty="0" smtClean="0">
                 <a:solidFill>
-                  <a:srgbClr val="64C7E9"/>
-                </a:solidFill>
-                <a:latin typeface="UTM Helve" panose="02040603050506020204" pitchFamily="18" charset="0"/>
-                <a:ea typeface="Roboto" pitchFamily="2" charset="0"/>
-              </a:rPr>
-              <a:t>10.2 Cách sử dụng microphone trên micro:bit</a:t>
-            </a:r>
-            <a:endParaRPr lang="en-US" sz="2400" b="1" dirty="0">
-              <a:solidFill>
-                <a:srgbClr val="64C7E9"/>
-              </a:solidFill>
-              <a:latin typeface="UTM Helve" panose="02040603050506020204" pitchFamily="18" charset="0"/>
-              <a:ea typeface="Roboto" pitchFamily="2" charset="0"/>
-            </a:endParaRPr>
-          </a:p>
-        </p:txBody>
-      </p:sp>
-    </p:spTree>
-    <p:extLst>
-      <p:ext uri="{BB962C8B-B14F-4D97-AF65-F5344CB8AC3E}">
-        <p14:creationId xmlns:p14="http://schemas.microsoft.com/office/powerpoint/2010/main" val="2800974292"/>
-      </p:ext>
-    </p:extLst>
-  </p:cSld>
-  <p:clrMapOvr>
-    <a:masterClrMapping/>
-  </p:clrMapOvr>
-</p:sld>
-</file>
-
-<file path=ppt/slides/slide9.xml><?xml version="1.0" encoding="utf-8"?>
-<p:sld xmlns:a="http://schemas.openxmlformats.org/drawingml/2006/main" xmlns:r="http://schemas.openxmlformats.org/officeDocument/2006/relationships" xmlns:p="http://schemas.openxmlformats.org/presentationml/2006/main">
-  <p:cSld>
-    <p:spTree>
-      <p:nvGrpSpPr>
-        <p:cNvPr id="1" name=""/>
-        <p:cNvGrpSpPr/>
-        <p:nvPr/>
-      </p:nvGrpSpPr>
-      <p:grpSpPr>
-        <a:xfrm>
-          <a:off x="0" y="0"/>
-          <a:ext cx="0" cy="0"/>
-          <a:chOff x="0" y="0"/>
-          <a:chExt cx="0" cy="0"/>
-        </a:xfrm>
-      </p:grpSpPr>
-      <p:sp>
-        <p:nvSpPr>
-          <p:cNvPr id="2" name="Slide Number Placeholder 1"/>
-          <p:cNvSpPr>
-            <a:spLocks noGrp="1"/>
-          </p:cNvSpPr>
-          <p:nvPr>
-            <p:ph type="sldNum" sz="quarter" idx="12"/>
-          </p:nvPr>
-        </p:nvSpPr>
-        <p:spPr/>
-        <p:txBody>
-          <a:bodyPr/>
-          <a:lstStyle/>
-          <a:p>
-            <a:fld id="{7D9EC917-02A2-4152-9EE3-DFE2775A77C7}" type="slidenum">
-              <a:rPr lang="en-US" smtClean="0"/>
-              <a:pPr/>
-              <a:t>9</a:t>
-            </a:fld>
-            <a:endParaRPr lang="en-US"/>
-          </a:p>
-        </p:txBody>
-      </p:sp>
-      <p:sp>
-        <p:nvSpPr>
-          <p:cNvPr id="3" name="Rectangle 2"/>
-          <p:cNvSpPr/>
-          <p:nvPr/>
-        </p:nvSpPr>
-        <p:spPr>
-          <a:xfrm>
-            <a:off x="301925" y="1051379"/>
-            <a:ext cx="8454964" cy="27432"/>
-          </a:xfrm>
-          <a:prstGeom prst="rect">
-            <a:avLst/>
-          </a:prstGeom>
-          <a:gradFill flip="none" rotWithShape="1">
-            <a:gsLst>
-              <a:gs pos="15000">
-                <a:srgbClr val="67C7DF"/>
-              </a:gs>
-              <a:gs pos="100000">
-                <a:srgbClr val="5EB130"/>
-              </a:gs>
-            </a:gsLst>
-            <a:lin ang="0" scaled="1"/>
-            <a:tileRect/>
-          </a:gradFill>
-          <a:ln>
-            <a:noFill/>
-          </a:ln>
-        </p:spPr>
-        <p:style>
-          <a:lnRef idx="2">
-            <a:schemeClr val="accent1">
-              <a:shade val="50000"/>
-            </a:schemeClr>
-          </a:lnRef>
-          <a:fillRef idx="1">
-            <a:schemeClr val="accent1"/>
-          </a:fillRef>
-          <a:effectRef idx="0">
-            <a:schemeClr val="accent1"/>
-          </a:effectRef>
-          <a:fontRef idx="minor">
-            <a:schemeClr val="lt1"/>
-          </a:fontRef>
-        </p:style>
-        <p:txBody>
-          <a:bodyPr rtlCol="0" anchor="ctr"/>
-          <a:lstStyle/>
-          <a:p>
-            <a:pPr algn="ctr"/>
-            <a:endParaRPr lang="en-US"/>
-          </a:p>
-        </p:txBody>
-      </p:sp>
-      <p:sp>
-        <p:nvSpPr>
-          <p:cNvPr id="4" name="TextBox 3"/>
-          <p:cNvSpPr txBox="1"/>
-          <p:nvPr/>
-        </p:nvSpPr>
-        <p:spPr>
-          <a:xfrm>
-            <a:off x="248815" y="546584"/>
-            <a:ext cx="7374995" cy="461665"/>
-          </a:xfrm>
-          <a:prstGeom prst="rect">
-            <a:avLst/>
-          </a:prstGeom>
-          <a:noFill/>
-        </p:spPr>
-        <p:txBody>
-          <a:bodyPr wrap="square" rtlCol="0">
-            <a:spAutoFit/>
-          </a:bodyPr>
-          <a:lstStyle/>
-          <a:p>
-            <a:r>
-              <a:rPr lang="en-US" sz="2400" b="1" dirty="0" smtClean="0">
-                <a:solidFill>
-                  <a:srgbClr val="64C7E9"/>
-                </a:solidFill>
-                <a:latin typeface="UTM Helve" panose="02040603050506020204" pitchFamily="18" charset="0"/>
-                <a:ea typeface="Roboto" pitchFamily="2" charset="0"/>
-              </a:rPr>
-              <a:t>10.3 </a:t>
-            </a:r>
-            <a:r>
-              <a:rPr lang="en-US" sz="2400" b="1" dirty="0" smtClean="0">
-                <a:solidFill>
-                  <a:srgbClr val="64C7E9"/>
-                </a:solidFill>
-                <a:latin typeface="UTM Helve" panose="02040603050506020204" pitchFamily="18" charset="0"/>
-                <a:ea typeface="Roboto" pitchFamily="2" charset="0"/>
-              </a:rPr>
-              <a:t>Hoạt động học viên</a:t>
-            </a:r>
-            <a:endParaRPr lang="en-US" sz="2400" b="1" dirty="0">
-              <a:solidFill>
-                <a:srgbClr val="64C7E9"/>
-              </a:solidFill>
-              <a:latin typeface="UTM Helve" panose="02040603050506020204" pitchFamily="18" charset="0"/>
-              <a:ea typeface="Roboto" pitchFamily="2" charset="0"/>
-            </a:endParaRPr>
-          </a:p>
-        </p:txBody>
-      </p:sp>
-      <p:sp>
-        <p:nvSpPr>
-          <p:cNvPr id="5" name="TextBox 4"/>
-          <p:cNvSpPr txBox="1"/>
-          <p:nvPr/>
-        </p:nvSpPr>
-        <p:spPr>
-          <a:xfrm>
-            <a:off x="1265306" y="1364739"/>
-            <a:ext cx="4057076" cy="461665"/>
-          </a:xfrm>
-          <a:prstGeom prst="rect">
-            <a:avLst/>
-          </a:prstGeom>
-          <a:noFill/>
-        </p:spPr>
-        <p:txBody>
-          <a:bodyPr wrap="square" rtlCol="0">
-            <a:spAutoFit/>
-          </a:bodyPr>
-          <a:lstStyle/>
-          <a:p>
-            <a:r>
-              <a:rPr lang="en-US" sz="2400" b="1" dirty="0" smtClean="0">
-                <a:solidFill>
                   <a:schemeClr val="tx1">
                     <a:lumMod val="85000"/>
                     <a:lumOff val="15000"/>
@@ -7725,7 +6959,7 @@
                 <a:latin typeface="UTM Helve" panose="02040603050506020204" pitchFamily="18" charset="0"/>
                 <a:ea typeface="Roboto" pitchFamily="2" charset="0"/>
               </a:rPr>
-              <a:t>Ô nhiễm tiếng ồn đô thị</a:t>
+              <a:t>Hát Karaoke quá giờ quy định</a:t>
             </a:r>
             <a:endParaRPr lang="en-US" sz="2400" b="1" dirty="0">
               <a:solidFill>
@@ -7742,7 +6976,7 @@
       </p:sp>
       <p:pic>
         <p:nvPicPr>
-          <p:cNvPr id="6" name="Picture 5"/>
+          <p:cNvPr id="23" name="Picture 22"/>
           <p:cNvPicPr>
             <a:picLocks noChangeAspect="1"/>
           </p:cNvPicPr>
@@ -7762,7 +6996,7 @@
         </p:blipFill>
         <p:spPr>
           <a:xfrm>
-            <a:off x="709053" y="1437696"/>
+            <a:off x="709053" y="4074879"/>
             <a:ext cx="466725" cy="409575"/>
           </a:xfrm>
           <a:prstGeom prst="rect">
@@ -7772,7 +7006,7 @@
       </p:pic>
       <p:sp>
         <p:nvSpPr>
-          <p:cNvPr id="21" name="Title 1"/>
+          <p:cNvPr id="24" name="Title 1"/>
           <p:cNvSpPr txBox="1">
             <a:spLocks/>
           </p:cNvSpPr>
@@ -7780,8 +7014,8 @@
         </p:nvSpPr>
         <p:spPr>
           <a:xfrm>
-            <a:off x="766190" y="2057828"/>
-            <a:ext cx="4879235" cy="1997337"/>
+            <a:off x="766190" y="4504168"/>
+            <a:ext cx="4879235" cy="1778605"/>
           </a:xfrm>
           <a:prstGeom prst="rect">
             <a:avLst/>
@@ -7824,171 +7058,6 @@
                 </a:solidFill>
                 <a:ea typeface="Roboto Condensed" pitchFamily="2" charset="0"/>
               </a:rPr>
-              <a:t>Môi trường đô thị rất sôi động và ồn ào, náo nhiệt.</a:t>
-            </a:r>
-          </a:p>
-          <a:p>
-            <a:pPr>
-              <a:lnSpc>
-                <a:spcPct val="100000"/>
-              </a:lnSpc>
-            </a:pPr>
-            <a:r>
-              <a:rPr lang="en-US" sz="2000" b="0" dirty="0" smtClean="0">
-                <a:solidFill>
-                  <a:schemeClr val="tx1">
-                    <a:lumMod val="95000"/>
-                    <a:lumOff val="5000"/>
-                  </a:schemeClr>
-                </a:solidFill>
-                <a:ea typeface="Roboto Condensed" pitchFamily="2" charset="0"/>
-              </a:rPr>
-              <a:t>Bạn có thể dùng micro:bit để đo mức độ ồn để giúp cơ quan chức năng có biện pháp ngiên cứu giảm thiểu tiếng ồn.</a:t>
-            </a:r>
-            <a:endParaRPr lang="en-US" sz="2000" dirty="0" smtClean="0">
-              <a:solidFill>
-                <a:schemeClr val="tx1">
-                  <a:lumMod val="95000"/>
-                  <a:lumOff val="5000"/>
-                </a:schemeClr>
-              </a:solidFill>
-              <a:ea typeface="Roboto Condensed" pitchFamily="2" charset="0"/>
-            </a:endParaRPr>
-          </a:p>
-        </p:txBody>
-      </p:sp>
-      <p:sp>
-        <p:nvSpPr>
-          <p:cNvPr id="22" name="TextBox 21"/>
-          <p:cNvSpPr txBox="1"/>
-          <p:nvPr/>
-        </p:nvSpPr>
-        <p:spPr>
-          <a:xfrm>
-            <a:off x="1265305" y="4001922"/>
-            <a:ext cx="4949965" cy="461665"/>
-          </a:xfrm>
-          <a:prstGeom prst="rect">
-            <a:avLst/>
-          </a:prstGeom>
-          <a:noFill/>
-        </p:spPr>
-        <p:txBody>
-          <a:bodyPr wrap="square" rtlCol="0">
-            <a:spAutoFit/>
-          </a:bodyPr>
-          <a:lstStyle/>
-          <a:p>
-            <a:r>
-              <a:rPr lang="en-US" sz="2400" b="1" dirty="0" smtClean="0">
-                <a:solidFill>
-                  <a:schemeClr val="tx1">
-                    <a:lumMod val="85000"/>
-                    <a:lumOff val="15000"/>
-                  </a:schemeClr>
-                </a:solidFill>
-                <a:latin typeface="UTM Helve" panose="02040603050506020204" pitchFamily="18" charset="0"/>
-                <a:ea typeface="Roboto" pitchFamily="2" charset="0"/>
-              </a:rPr>
-              <a:t>Hát Karaoke quá giờ quy định</a:t>
-            </a:r>
-            <a:endParaRPr lang="en-US" sz="2400" b="1" dirty="0">
-              <a:solidFill>
-                <a:schemeClr val="tx1">
-                  <a:lumMod val="85000"/>
-                  <a:lumOff val="15000"/>
-                </a:schemeClr>
-              </a:solidFill>
-              <a:latin typeface="UTM Helve" panose="02040603050506020204" pitchFamily="18" charset="0"/>
-              <a:ea typeface="Roboto" pitchFamily="2" charset="0"/>
-            </a:endParaRPr>
-          </a:p>
-        </p:txBody>
-      </p:sp>
-      <p:pic>
-        <p:nvPicPr>
-          <p:cNvPr id="23" name="Picture 22"/>
-          <p:cNvPicPr>
-            <a:picLocks noChangeAspect="1"/>
-          </p:cNvPicPr>
-          <p:nvPr/>
-        </p:nvPicPr>
-        <p:blipFill>
-          <a:blip r:embed="rId2">
-            <a:extLst>
-              <a:ext uri="{28A0092B-C50C-407E-A947-70E740481C1C}">
-                <a14:useLocalDpi xmlns:a14="http://schemas.microsoft.com/office/drawing/2010/main" val="0"/>
-              </a:ext>
-            </a:extLst>
-          </a:blip>
-          <a:stretch>
-            <a:fillRect/>
-          </a:stretch>
-        </p:blipFill>
-        <p:spPr>
-          <a:xfrm>
-            <a:off x="709053" y="4074879"/>
-            <a:ext cx="466725" cy="409575"/>
-          </a:xfrm>
-          <a:prstGeom prst="rect">
-            <a:avLst/>
-          </a:prstGeom>
-        </p:spPr>
-      </p:pic>
-      <p:sp>
-        <p:nvSpPr>
-          <p:cNvPr id="24" name="Title 1"/>
-          <p:cNvSpPr txBox="1">
-            <a:spLocks/>
-          </p:cNvSpPr>
-          <p:nvPr/>
-        </p:nvSpPr>
-        <p:spPr>
-          <a:xfrm>
-            <a:off x="766190" y="4504168"/>
-            <a:ext cx="4879235" cy="1778605"/>
-          </a:xfrm>
-          <a:prstGeom prst="rect">
-            <a:avLst/>
-          </a:prstGeom>
-        </p:spPr>
-        <p:txBody>
-          <a:bodyPr/>
-          <a:lstStyle>
-            <a:lvl1pPr algn="l" defTabSz="914400" rtl="0" eaLnBrk="1" latinLnBrk="0" hangingPunct="1">
-              <a:lnSpc>
-                <a:spcPct val="90000"/>
-              </a:lnSpc>
-              <a:spcBef>
-                <a:spcPct val="0"/>
-              </a:spcBef>
-              <a:buNone/>
-              <a:defRPr sz="3200" b="1" kern="1200">
-                <a:solidFill>
-                  <a:srgbClr val="019DD0"/>
-                </a:solidFill>
-                <a:latin typeface="Arial" panose="020B0604020202020204" pitchFamily="34" charset="0"/>
-                <a:ea typeface="+mj-ea"/>
-                <a:cs typeface="Arial" panose="020B0604020202020204" pitchFamily="34" charset="0"/>
-              </a:defRPr>
-            </a:lvl1pPr>
-          </a:lstStyle>
-          <a:p>
-            <a:pPr>
-              <a:lnSpc>
-                <a:spcPct val="100000"/>
-              </a:lnSpc>
-            </a:pPr>
-            <a:r>
-              <a:rPr lang="en-US" sz="2000" b="0" dirty="0" smtClean="0">
-                <a:solidFill>
-                  <a:schemeClr val="tx1">
-                    <a:lumMod val="95000"/>
-                    <a:lumOff val="5000"/>
-                  </a:schemeClr>
-                </a:solidFill>
-                <a:ea typeface="Roboto Condensed" pitchFamily="2" charset="0"/>
-              </a:rPr>
               <a:t>Hiện nay có một số người dùng loa kéo hát hò rất khuya. Để có căn cứ xử phạt, bạn có thể giúp các chú công an đo mức độ ồn khi hát karaoke không ?</a:t>
             </a:r>
             <a:endParaRPr lang="en-US" sz="2000" dirty="0" smtClean="0">
@@ -8013,6 +7082,13 @@
   <p:clrMapOvr>
     <a:masterClrMapping/>
   </p:clrMapOvr>
+  <p:timing>
+    <p:tnLst>
+      <p:par>
+        <p:cTn id="1" dur="indefinite" restart="never" nodeType="tmRoot"/>
+      </p:par>
+    </p:tnLst>
+  </p:timing>
 </p:sld>
 </file>
 
